--- a/JAYASREE LINGETI.pptx
+++ b/JAYASREE LINGETI.pptx
@@ -3638,26 +3638,29 @@
           <a:p>
             <a:r>
               <a:rPr lang="en-AU" altLang="en-IN" dirty="0"/>
-              <a:t>    </a:t>
+              <a:t>   </a:t>
             </a:r>
             <a:r>
               <a:rPr lang="en-US" altLang="en-AU" dirty="0"/>
-              <a:t>lingeti jayasree</a:t>
+              <a:t>LINGETI JAYA SREE</a:t>
             </a:r>
             <a:endParaRPr lang="en-US" altLang="en-AU" dirty="0">
-              <a:ln w="22225">
+              <a:ln w="9525">
                 <a:solidFill>
-                  <a:schemeClr val="accent2"/>
+                  <a:schemeClr val="bg1"/>
                 </a:solidFill>
                 <a:prstDash val="solid"/>
               </a:ln>
               <a:solidFill>
-                <a:schemeClr val="accent2">
-                  <a:lumMod val="40000"/>
-                  <a:lumOff val="60000"/>
-                </a:schemeClr>
+                <a:schemeClr val="tx1"/>
               </a:solidFill>
-              <a:effectLst/>
+              <a:effectLst>
+                <a:outerShdw blurRad="12700" dist="38100" dir="2700000" algn="tl" rotWithShape="0">
+                  <a:schemeClr val="bg1">
+                    <a:lumMod val="50000"/>
+                  </a:schemeClr>
+                </a:outerShdw>
+              </a:effectLst>
             </a:endParaRPr>
           </a:p>
         </p:txBody>
